--- a/Presentation/AQI_Presentation.pptx
+++ b/Presentation/AQI_Presentation.pptx
@@ -7,14 +7,16 @@
   <p:sldIdLst>
     <p:sldId id="256" r:id="rId2"/>
     <p:sldId id="257" r:id="rId3"/>
-    <p:sldId id="258" r:id="rId4"/>
-    <p:sldId id="259" r:id="rId5"/>
-    <p:sldId id="260" r:id="rId6"/>
-    <p:sldId id="265" r:id="rId7"/>
-    <p:sldId id="262" r:id="rId8"/>
-    <p:sldId id="261" r:id="rId9"/>
-    <p:sldId id="263" r:id="rId10"/>
-    <p:sldId id="264" r:id="rId11"/>
+    <p:sldId id="265" r:id="rId4"/>
+    <p:sldId id="258" r:id="rId5"/>
+    <p:sldId id="259" r:id="rId6"/>
+    <p:sldId id="260" r:id="rId7"/>
+    <p:sldId id="266" r:id="rId8"/>
+    <p:sldId id="267" r:id="rId9"/>
+    <p:sldId id="262" r:id="rId10"/>
+    <p:sldId id="261" r:id="rId11"/>
+    <p:sldId id="263" r:id="rId12"/>
+    <p:sldId id="264" r:id="rId13"/>
   </p:sldIdLst>
   <p:sldSz cx="12192000" cy="6858000"/>
   <p:notesSz cx="6858000" cy="9144000"/>
@@ -12055,6 +12057,304 @@
           <p:cNvPr id="2" name="Title 1">
             <a:extLst>
               <a:ext uri="{FF2B5EF4-FFF2-40B4-BE49-F238E27FC236}">
+                <a16:creationId xmlns:a16="http://schemas.microsoft.com/office/drawing/2014/main" id="{E2CDF4C7-2288-A94E-BEB0-3C7A873A5E73}"/>
+              </a:ext>
+            </a:extLst>
+          </p:cNvPr>
+          <p:cNvSpPr>
+            <a:spLocks noGrp="1"/>
+          </p:cNvSpPr>
+          <p:nvPr>
+            <p:ph type="title"/>
+          </p:nvPr>
+        </p:nvSpPr>
+        <p:spPr/>
+        <p:txBody>
+          <a:bodyPr>
+            <a:normAutofit fontScale="90000"/>
+          </a:bodyPr>
+          <a:lstStyle/>
+          <a:p>
+            <a:r>
+              <a:rPr lang="en-US" dirty="0"/>
+              <a:t>Air quality Index vs Age of Cars for 2009, 2015 and 2020</a:t>
+            </a:r>
+          </a:p>
+        </p:txBody>
+      </p:sp>
+      <p:pic>
+        <p:nvPicPr>
+          <p:cNvPr id="5" name="Content Placeholder 4">
+            <a:extLst>
+              <a:ext uri="{FF2B5EF4-FFF2-40B4-BE49-F238E27FC236}">
+                <a16:creationId xmlns:a16="http://schemas.microsoft.com/office/drawing/2014/main" id="{FF0FD265-5314-3846-BBA6-D8E7DCDD57CF}"/>
+              </a:ext>
+            </a:extLst>
+          </p:cNvPr>
+          <p:cNvPicPr>
+            <a:picLocks noGrp="1" noChangeAspect="1"/>
+          </p:cNvPicPr>
+          <p:nvPr>
+            <p:ph idx="1"/>
+          </p:nvPr>
+        </p:nvPicPr>
+        <p:blipFill>
+          <a:blip r:embed="rId2"/>
+          <a:stretch>
+            <a:fillRect/>
+          </a:stretch>
+        </p:blipFill>
+        <p:spPr>
+          <a:xfrm>
+            <a:off x="207833" y="1690687"/>
+            <a:ext cx="3718355" cy="2957621"/>
+          </a:xfrm>
+        </p:spPr>
+      </p:pic>
+      <p:pic>
+        <p:nvPicPr>
+          <p:cNvPr id="7" name="Picture 6" descr="Chart, scatter chart&#10;&#10;Description automatically generated">
+            <a:extLst>
+              <a:ext uri="{FF2B5EF4-FFF2-40B4-BE49-F238E27FC236}">
+                <a16:creationId xmlns:a16="http://schemas.microsoft.com/office/drawing/2014/main" id="{2FE2BC47-9997-3C48-9C95-2F0C06767F74}"/>
+              </a:ext>
+            </a:extLst>
+          </p:cNvPr>
+          <p:cNvPicPr>
+            <a:picLocks noChangeAspect="1"/>
+          </p:cNvPicPr>
+          <p:nvPr/>
+        </p:nvPicPr>
+        <p:blipFill>
+          <a:blip r:embed="rId3"/>
+          <a:stretch>
+            <a:fillRect/>
+          </a:stretch>
+        </p:blipFill>
+        <p:spPr>
+          <a:xfrm>
+            <a:off x="4297354" y="1690687"/>
+            <a:ext cx="3597292" cy="2957620"/>
+          </a:xfrm>
+          <a:prstGeom prst="rect">
+            <a:avLst/>
+          </a:prstGeom>
+        </p:spPr>
+      </p:pic>
+      <p:pic>
+        <p:nvPicPr>
+          <p:cNvPr id="9" name="Picture 8" descr="Chart, scatter chart&#10;&#10;Description automatically generated">
+            <a:extLst>
+              <a:ext uri="{FF2B5EF4-FFF2-40B4-BE49-F238E27FC236}">
+                <a16:creationId xmlns:a16="http://schemas.microsoft.com/office/drawing/2014/main" id="{4C84F602-12FF-B94E-9122-F225C1615D7A}"/>
+              </a:ext>
+            </a:extLst>
+          </p:cNvPr>
+          <p:cNvPicPr>
+            <a:picLocks noChangeAspect="1"/>
+          </p:cNvPicPr>
+          <p:nvPr/>
+        </p:nvPicPr>
+        <p:blipFill>
+          <a:blip r:embed="rId4"/>
+          <a:stretch>
+            <a:fillRect/>
+          </a:stretch>
+        </p:blipFill>
+        <p:spPr>
+          <a:xfrm>
+            <a:off x="8265813" y="1690687"/>
+            <a:ext cx="3718354" cy="2957620"/>
+          </a:xfrm>
+          <a:prstGeom prst="rect">
+            <a:avLst/>
+          </a:prstGeom>
+        </p:spPr>
+      </p:pic>
+    </p:spTree>
+    <p:extLst>
+      <p:ext uri="{BB962C8B-B14F-4D97-AF65-F5344CB8AC3E}">
+        <p14:creationId xmlns:p14="http://schemas.microsoft.com/office/powerpoint/2010/main" val="2848688168"/>
+      </p:ext>
+    </p:extLst>
+  </p:cSld>
+  <p:clrMapOvr>
+    <a:masterClrMapping/>
+  </p:clrMapOvr>
+</p:sld>
+</file>
+
+<file path=ppt/slides/slide11.xml><?xml version="1.0" encoding="utf-8"?>
+<p:sld xmlns:a="http://schemas.openxmlformats.org/drawingml/2006/main" xmlns:r="http://schemas.openxmlformats.org/officeDocument/2006/relationships" xmlns:p="http://schemas.openxmlformats.org/presentationml/2006/main">
+  <p:cSld>
+    <p:spTree>
+      <p:nvGrpSpPr>
+        <p:cNvPr id="1" name=""/>
+        <p:cNvGrpSpPr/>
+        <p:nvPr/>
+      </p:nvGrpSpPr>
+      <p:grpSpPr>
+        <a:xfrm>
+          <a:off x="0" y="0"/>
+          <a:ext cx="0" cy="0"/>
+          <a:chOff x="0" y="0"/>
+          <a:chExt cx="0" cy="0"/>
+        </a:xfrm>
+      </p:grpSpPr>
+      <p:sp>
+        <p:nvSpPr>
+          <p:cNvPr id="2" name="Title 1">
+            <a:extLst>
+              <a:ext uri="{FF2B5EF4-FFF2-40B4-BE49-F238E27FC236}">
+                <a16:creationId xmlns:a16="http://schemas.microsoft.com/office/drawing/2014/main" id="{7E4398CA-F36B-B044-A203-9EFCF6E9D0FD}"/>
+              </a:ext>
+            </a:extLst>
+          </p:cNvPr>
+          <p:cNvSpPr>
+            <a:spLocks noGrp="1"/>
+          </p:cNvSpPr>
+          <p:nvPr>
+            <p:ph type="title"/>
+          </p:nvPr>
+        </p:nvSpPr>
+        <p:spPr/>
+        <p:txBody>
+          <a:bodyPr>
+            <a:normAutofit fontScale="90000"/>
+          </a:bodyPr>
+          <a:lstStyle/>
+          <a:p>
+            <a:r>
+              <a:rPr lang="en-US" dirty="0"/>
+              <a:t>Air Quality Index per Body Type for 2009, 2015 and 2020</a:t>
+            </a:r>
+          </a:p>
+        </p:txBody>
+      </p:sp>
+      <p:pic>
+        <p:nvPicPr>
+          <p:cNvPr id="7" name="Picture 6" descr="Chart, bar chart, histogram&#10;&#10;Description automatically generated">
+            <a:extLst>
+              <a:ext uri="{FF2B5EF4-FFF2-40B4-BE49-F238E27FC236}">
+                <a16:creationId xmlns:a16="http://schemas.microsoft.com/office/drawing/2014/main" id="{75EFB4B9-603F-0148-8A91-F3B29300488F}"/>
+              </a:ext>
+            </a:extLst>
+          </p:cNvPr>
+          <p:cNvPicPr>
+            <a:picLocks noChangeAspect="1"/>
+          </p:cNvPicPr>
+          <p:nvPr/>
+        </p:nvPicPr>
+        <p:blipFill>
+          <a:blip r:embed="rId2"/>
+          <a:stretch>
+            <a:fillRect/>
+          </a:stretch>
+        </p:blipFill>
+        <p:spPr>
+          <a:xfrm>
+            <a:off x="4156893" y="1808890"/>
+            <a:ext cx="3878214" cy="2659104"/>
+          </a:xfrm>
+          <a:prstGeom prst="rect">
+            <a:avLst/>
+          </a:prstGeom>
+        </p:spPr>
+      </p:pic>
+      <p:pic>
+        <p:nvPicPr>
+          <p:cNvPr id="9" name="Picture 8" descr="Chart, bar chart&#10;&#10;Description automatically generated">
+            <a:extLst>
+              <a:ext uri="{FF2B5EF4-FFF2-40B4-BE49-F238E27FC236}">
+                <a16:creationId xmlns:a16="http://schemas.microsoft.com/office/drawing/2014/main" id="{6BF959CE-6973-F140-9B75-B29172D76353}"/>
+              </a:ext>
+            </a:extLst>
+          </p:cNvPr>
+          <p:cNvPicPr>
+            <a:picLocks noChangeAspect="1"/>
+          </p:cNvPicPr>
+          <p:nvPr/>
+        </p:nvPicPr>
+        <p:blipFill>
+          <a:blip r:embed="rId3"/>
+          <a:stretch>
+            <a:fillRect/>
+          </a:stretch>
+        </p:blipFill>
+        <p:spPr>
+          <a:xfrm>
+            <a:off x="8156787" y="1808890"/>
+            <a:ext cx="3878213" cy="2659104"/>
+          </a:xfrm>
+          <a:prstGeom prst="rect">
+            <a:avLst/>
+          </a:prstGeom>
+        </p:spPr>
+      </p:pic>
+      <p:pic>
+        <p:nvPicPr>
+          <p:cNvPr id="8" name="Content Placeholder 7" descr="Chart, bar chart&#10;&#10;Description automatically generated">
+            <a:extLst>
+              <a:ext uri="{FF2B5EF4-FFF2-40B4-BE49-F238E27FC236}">
+                <a16:creationId xmlns:a16="http://schemas.microsoft.com/office/drawing/2014/main" id="{08AE2FF3-7A4F-C94B-8179-0B560F757D1D}"/>
+              </a:ext>
+            </a:extLst>
+          </p:cNvPr>
+          <p:cNvPicPr>
+            <a:picLocks noGrp="1" noChangeAspect="1"/>
+          </p:cNvPicPr>
+          <p:nvPr>
+            <p:ph idx="1"/>
+          </p:nvPr>
+        </p:nvPicPr>
+        <p:blipFill>
+          <a:blip r:embed="rId4"/>
+          <a:stretch>
+            <a:fillRect/>
+          </a:stretch>
+        </p:blipFill>
+        <p:spPr>
+          <a:xfrm>
+            <a:off x="157000" y="1808889"/>
+            <a:ext cx="3907949" cy="2659105"/>
+          </a:xfrm>
+        </p:spPr>
+      </p:pic>
+    </p:spTree>
+    <p:extLst>
+      <p:ext uri="{BB962C8B-B14F-4D97-AF65-F5344CB8AC3E}">
+        <p14:creationId xmlns:p14="http://schemas.microsoft.com/office/powerpoint/2010/main" val="291841990"/>
+      </p:ext>
+    </p:extLst>
+  </p:cSld>
+  <p:clrMapOvr>
+    <a:masterClrMapping/>
+  </p:clrMapOvr>
+</p:sld>
+</file>
+
+<file path=ppt/slides/slide12.xml><?xml version="1.0" encoding="utf-8"?>
+<p:sld xmlns:a="http://schemas.openxmlformats.org/drawingml/2006/main" xmlns:r="http://schemas.openxmlformats.org/officeDocument/2006/relationships" xmlns:p="http://schemas.openxmlformats.org/presentationml/2006/main">
+  <p:cSld>
+    <p:spTree>
+      <p:nvGrpSpPr>
+        <p:cNvPr id="1" name=""/>
+        <p:cNvGrpSpPr/>
+        <p:nvPr/>
+      </p:nvGrpSpPr>
+      <p:grpSpPr>
+        <a:xfrm>
+          <a:off x="0" y="0"/>
+          <a:ext cx="0" cy="0"/>
+          <a:chOff x="0" y="0"/>
+          <a:chExt cx="0" cy="0"/>
+        </a:xfrm>
+      </p:grpSpPr>
+      <p:sp>
+        <p:nvSpPr>
+          <p:cNvPr id="2" name="Title 1">
+            <a:extLst>
+              <a:ext uri="{FF2B5EF4-FFF2-40B4-BE49-F238E27FC236}">
                 <a16:creationId xmlns:a16="http://schemas.microsoft.com/office/drawing/2014/main" id="{F7A140CF-C3D3-1F4A-8831-2D9DCC1EFFC1}"/>
               </a:ext>
             </a:extLst>
@@ -12269,12 +12569,6 @@
               <a:t>Ozone and particulate matter from vehicles is one of the sources of these pollutants.</a:t>
             </a:r>
           </a:p>
-          <a:p>
-            <a:r>
-              <a:rPr lang="en-US" dirty="0"/>
-              <a:t>Hypothesis: There is a correlation between vehicles and the air we breathe.</a:t>
-            </a:r>
-          </a:p>
         </p:txBody>
       </p:sp>
     </p:spTree>
@@ -12312,7 +12606,7 @@
           <p:cNvPr id="2" name="Title 1">
             <a:extLst>
               <a:ext uri="{FF2B5EF4-FFF2-40B4-BE49-F238E27FC236}">
-                <a16:creationId xmlns:a16="http://schemas.microsoft.com/office/drawing/2014/main" id="{587D95FC-398D-AC42-97F3-D1CE654381BC}"/>
+                <a16:creationId xmlns:a16="http://schemas.microsoft.com/office/drawing/2014/main" id="{2AC37747-AF16-7647-9A5E-D637E9A3904B}"/>
               </a:ext>
             </a:extLst>
           </p:cNvPr>
@@ -12329,9 +12623,115 @@
           <a:lstStyle/>
           <a:p>
             <a:r>
-              <a:rPr lang="en-US" dirty="0"/>
-              <a:t>Questions</a:t>
+              <a:rPr lang="en-US"/>
+              <a:t>Air Quality Index</a:t>
             </a:r>
+            <a:endParaRPr lang="en-US" dirty="0"/>
+          </a:p>
+        </p:txBody>
+      </p:sp>
+      <p:pic>
+        <p:nvPicPr>
+          <p:cNvPr id="5" name="Content Placeholder 4" descr="A picture containing table&#10;&#10;Description automatically generated">
+            <a:extLst>
+              <a:ext uri="{FF2B5EF4-FFF2-40B4-BE49-F238E27FC236}">
+                <a16:creationId xmlns:a16="http://schemas.microsoft.com/office/drawing/2014/main" id="{DE2EB4E1-E41F-8542-BB6F-1B050F5DC03D}"/>
+              </a:ext>
+            </a:extLst>
+          </p:cNvPr>
+          <p:cNvPicPr>
+            <a:picLocks noGrp="1" noChangeAspect="1"/>
+          </p:cNvPicPr>
+          <p:nvPr>
+            <p:ph idx="1"/>
+          </p:nvPr>
+        </p:nvPicPr>
+        <p:blipFill>
+          <a:blip r:embed="rId2"/>
+          <a:stretch>
+            <a:fillRect/>
+          </a:stretch>
+        </p:blipFill>
+        <p:spPr>
+          <a:xfrm>
+            <a:off x="1284632" y="1825625"/>
+            <a:ext cx="9622735" cy="4351338"/>
+          </a:xfrm>
+        </p:spPr>
+      </p:pic>
+    </p:spTree>
+    <p:extLst>
+      <p:ext uri="{BB962C8B-B14F-4D97-AF65-F5344CB8AC3E}">
+        <p14:creationId xmlns:p14="http://schemas.microsoft.com/office/powerpoint/2010/main" val="2922172696"/>
+      </p:ext>
+    </p:extLst>
+  </p:cSld>
+  <p:clrMapOvr>
+    <a:masterClrMapping/>
+  </p:clrMapOvr>
+</p:sld>
+</file>
+
+<file path=ppt/slides/slide4.xml><?xml version="1.0" encoding="utf-8"?>
+<p:sld xmlns:a="http://schemas.openxmlformats.org/drawingml/2006/main" xmlns:r="http://schemas.openxmlformats.org/officeDocument/2006/relationships" xmlns:p="http://schemas.openxmlformats.org/presentationml/2006/main">
+  <p:cSld>
+    <p:spTree>
+      <p:nvGrpSpPr>
+        <p:cNvPr id="1" name=""/>
+        <p:cNvGrpSpPr/>
+        <p:nvPr/>
+      </p:nvGrpSpPr>
+      <p:grpSpPr>
+        <a:xfrm>
+          <a:off x="0" y="0"/>
+          <a:ext cx="0" cy="0"/>
+          <a:chOff x="0" y="0"/>
+          <a:chExt cx="0" cy="0"/>
+        </a:xfrm>
+      </p:grpSpPr>
+      <p:sp>
+        <p:nvSpPr>
+          <p:cNvPr id="2" name="Title 1">
+            <a:extLst>
+              <a:ext uri="{FF2B5EF4-FFF2-40B4-BE49-F238E27FC236}">
+                <a16:creationId xmlns:a16="http://schemas.microsoft.com/office/drawing/2014/main" id="{587D95FC-398D-AC42-97F3-D1CE654381BC}"/>
+              </a:ext>
+            </a:extLst>
+          </p:cNvPr>
+          <p:cNvSpPr>
+            <a:spLocks noGrp="1"/>
+          </p:cNvSpPr>
+          <p:nvPr>
+            <p:ph type="title"/>
+          </p:nvPr>
+        </p:nvSpPr>
+        <p:spPr>
+          <a:xfrm>
+            <a:off x="838200" y="833755"/>
+            <a:ext cx="10515600" cy="1325563"/>
+          </a:xfrm>
+        </p:spPr>
+        <p:txBody>
+          <a:bodyPr>
+            <a:normAutofit fontScale="90000"/>
+          </a:bodyPr>
+          <a:lstStyle/>
+          <a:p>
+            <a:r>
+              <a:rPr lang="en-US" b="1" dirty="0"/>
+              <a:t>Hypothesis: </a:t>
+            </a:r>
+            <a:br>
+              <a:rPr lang="en-US" b="1" dirty="0"/>
+            </a:br>
+            <a:r>
+              <a:rPr lang="en-US" sz="3600" dirty="0"/>
+              <a:t>There is a correlation between vehicles and the air we breathe.</a:t>
+            </a:r>
+            <a:br>
+              <a:rPr lang="en-US" sz="3600" dirty="0"/>
+            </a:br>
+            <a:endParaRPr lang="en-US" sz="3600" dirty="0"/>
           </a:p>
         </p:txBody>
       </p:sp>
@@ -12351,14 +12751,28 @@
             <p:ph idx="1"/>
           </p:nvPr>
         </p:nvSpPr>
-        <p:spPr/>
+        <p:spPr>
+          <a:xfrm>
+            <a:off x="838200" y="2294255"/>
+            <a:ext cx="10515600" cy="4351338"/>
+          </a:xfrm>
+        </p:spPr>
         <p:txBody>
           <a:bodyPr/>
           <a:lstStyle/>
           <a:p>
+            <a:pPr marL="0" indent="0">
+              <a:buNone/>
+            </a:pPr>
+            <a:r>
+              <a:rPr lang="en-US" b="1" dirty="0"/>
+              <a:t>Questions</a:t>
+            </a:r>
+          </a:p>
+          <a:p>
             <a:r>
               <a:rPr lang="en-US" dirty="0"/>
-              <a:t>Does the density of cars affect the air quality in a zip code?</a:t>
+              <a:t>Does the density of cars in a particular area affect the air quality?</a:t>
             </a:r>
           </a:p>
           <a:p>
@@ -12370,7 +12784,7 @@
           <a:p>
             <a:r>
               <a:rPr lang="en-US" dirty="0"/>
-              <a:t>Does the type of car affect air quality</a:t>
+              <a:t>Does the type of car affect air quality?</a:t>
             </a:r>
           </a:p>
           <a:p>
@@ -12378,9 +12792,6 @@
               <a:rPr lang="en-US" dirty="0"/>
               <a:t>Is a hybrid/electric car more beneficial to our health?</a:t>
             </a:r>
-          </a:p>
-          <a:p>
-            <a:endParaRPr lang="en-US" dirty="0"/>
           </a:p>
           <a:p>
             <a:endParaRPr lang="en-US" dirty="0"/>
@@ -12400,7 +12811,7 @@
 </p:sld>
 </file>
 
-<file path=ppt/slides/slide4.xml><?xml version="1.0" encoding="utf-8"?>
+<file path=ppt/slides/slide5.xml><?xml version="1.0" encoding="utf-8"?>
 <p:sld xmlns:a="http://schemas.openxmlformats.org/drawingml/2006/main" xmlns:r="http://schemas.openxmlformats.org/officeDocument/2006/relationships" xmlns:p="http://schemas.openxmlformats.org/presentationml/2006/main">
   <p:cSld>
     <p:spTree>
@@ -12568,7 +12979,7 @@
 </p:sld>
 </file>
 
-<file path=ppt/slides/slide5.xml><?xml version="1.0" encoding="utf-8"?>
+<file path=ppt/slides/slide6.xml><?xml version="1.0" encoding="utf-8"?>
 <p:sld xmlns:a="http://schemas.openxmlformats.org/drawingml/2006/main" xmlns:r="http://schemas.openxmlformats.org/officeDocument/2006/relationships" xmlns:p="http://schemas.openxmlformats.org/presentationml/2006/main">
   <p:cSld>
     <p:spTree>
@@ -12696,7 +13107,7 @@
 </p:sld>
 </file>
 
-<file path=ppt/slides/slide6.xml><?xml version="1.0" encoding="utf-8"?>
+<file path=ppt/slides/slide7.xml><?xml version="1.0" encoding="utf-8"?>
 <p:sld xmlns:a="http://schemas.openxmlformats.org/drawingml/2006/main" xmlns:r="http://schemas.openxmlformats.org/officeDocument/2006/relationships" xmlns:p="http://schemas.openxmlformats.org/presentationml/2006/main">
   <p:cSld>
     <p:spTree>
@@ -12718,7 +13129,7 @@
           <p:cNvPr id="2" name="Title 1">
             <a:extLst>
               <a:ext uri="{FF2B5EF4-FFF2-40B4-BE49-F238E27FC236}">
-                <a16:creationId xmlns:a16="http://schemas.microsoft.com/office/drawing/2014/main" id="{2AC37747-AF16-7647-9A5E-D637E9A3904B}"/>
+                <a16:creationId xmlns:a16="http://schemas.microsoft.com/office/drawing/2014/main" id="{CEF22E82-2A25-DB47-8452-7678C7FEAAB1}"/>
               </a:ext>
             </a:extLst>
           </p:cNvPr>
@@ -12735,46 +13146,41 @@
           <a:lstStyle/>
           <a:p>
             <a:r>
-              <a:rPr lang="en-US"/>
-              <a:t>Air Quality Index</a:t>
+              <a:rPr lang="en-US" dirty="0"/>
+              <a:t>Data Cleanup &amp; Exploration</a:t>
             </a:r>
-            <a:endParaRPr lang="en-US" dirty="0"/>
           </a:p>
         </p:txBody>
       </p:sp>
-      <p:pic>
-        <p:nvPicPr>
-          <p:cNvPr id="5" name="Content Placeholder 4" descr="A picture containing table&#10;&#10;Description automatically generated">
+      <p:sp>
+        <p:nvSpPr>
+          <p:cNvPr id="3" name="Content Placeholder 2">
             <a:extLst>
               <a:ext uri="{FF2B5EF4-FFF2-40B4-BE49-F238E27FC236}">
-                <a16:creationId xmlns:a16="http://schemas.microsoft.com/office/drawing/2014/main" id="{DE2EB4E1-E41F-8542-BB6F-1B050F5DC03D}"/>
+                <a16:creationId xmlns:a16="http://schemas.microsoft.com/office/drawing/2014/main" id="{6ECC153E-7FFE-3143-B0E7-FCB3E58BE213}"/>
               </a:ext>
             </a:extLst>
           </p:cNvPr>
-          <p:cNvPicPr>
-            <a:picLocks noGrp="1" noChangeAspect="1"/>
-          </p:cNvPicPr>
+          <p:cNvSpPr>
+            <a:spLocks noGrp="1"/>
+          </p:cNvSpPr>
           <p:nvPr>
             <p:ph idx="1"/>
           </p:nvPr>
-        </p:nvPicPr>
-        <p:blipFill>
-          <a:blip r:embed="rId2"/>
-          <a:stretch>
-            <a:fillRect/>
-          </a:stretch>
-        </p:blipFill>
-        <p:spPr>
-          <a:xfrm>
-            <a:off x="1284632" y="1825625"/>
-            <a:ext cx="9622735" cy="4351338"/>
-          </a:xfrm>
-        </p:spPr>
-      </p:pic>
+        </p:nvSpPr>
+        <p:spPr/>
+        <p:txBody>
+          <a:bodyPr/>
+          <a:lstStyle/>
+          <a:p>
+            <a:endParaRPr lang="en-US"/>
+          </a:p>
+        </p:txBody>
+      </p:sp>
     </p:spTree>
     <p:extLst>
       <p:ext uri="{BB962C8B-B14F-4D97-AF65-F5344CB8AC3E}">
-        <p14:creationId xmlns:p14="http://schemas.microsoft.com/office/powerpoint/2010/main" val="2922172696"/>
+        <p14:creationId xmlns:p14="http://schemas.microsoft.com/office/powerpoint/2010/main" val="3946631574"/>
       </p:ext>
     </p:extLst>
   </p:cSld>
@@ -12784,7 +13190,90 @@
 </p:sld>
 </file>
 
-<file path=ppt/slides/slide7.xml><?xml version="1.0" encoding="utf-8"?>
+<file path=ppt/slides/slide8.xml><?xml version="1.0" encoding="utf-8"?>
+<p:sld xmlns:a="http://schemas.openxmlformats.org/drawingml/2006/main" xmlns:r="http://schemas.openxmlformats.org/officeDocument/2006/relationships" xmlns:p="http://schemas.openxmlformats.org/presentationml/2006/main">
+  <p:cSld>
+    <p:spTree>
+      <p:nvGrpSpPr>
+        <p:cNvPr id="1" name=""/>
+        <p:cNvGrpSpPr/>
+        <p:nvPr/>
+      </p:nvGrpSpPr>
+      <p:grpSpPr>
+        <a:xfrm>
+          <a:off x="0" y="0"/>
+          <a:ext cx="0" cy="0"/>
+          <a:chOff x="0" y="0"/>
+          <a:chExt cx="0" cy="0"/>
+        </a:xfrm>
+      </p:grpSpPr>
+      <p:sp>
+        <p:nvSpPr>
+          <p:cNvPr id="2" name="Title 1">
+            <a:extLst>
+              <a:ext uri="{FF2B5EF4-FFF2-40B4-BE49-F238E27FC236}">
+                <a16:creationId xmlns:a16="http://schemas.microsoft.com/office/drawing/2014/main" id="{339588BB-A32B-F54A-8A83-AD9D2CF965FF}"/>
+              </a:ext>
+            </a:extLst>
+          </p:cNvPr>
+          <p:cNvSpPr>
+            <a:spLocks noGrp="1"/>
+          </p:cNvSpPr>
+          <p:nvPr>
+            <p:ph type="title"/>
+          </p:nvPr>
+        </p:nvSpPr>
+        <p:spPr/>
+        <p:txBody>
+          <a:bodyPr/>
+          <a:lstStyle/>
+          <a:p>
+            <a:r>
+              <a:rPr lang="en-US"/>
+              <a:t>Data Analysis</a:t>
+            </a:r>
+          </a:p>
+        </p:txBody>
+      </p:sp>
+      <p:sp>
+        <p:nvSpPr>
+          <p:cNvPr id="3" name="Content Placeholder 2">
+            <a:extLst>
+              <a:ext uri="{FF2B5EF4-FFF2-40B4-BE49-F238E27FC236}">
+                <a16:creationId xmlns:a16="http://schemas.microsoft.com/office/drawing/2014/main" id="{91394BB3-6459-BA46-820A-72A20998CE5A}"/>
+              </a:ext>
+            </a:extLst>
+          </p:cNvPr>
+          <p:cNvSpPr>
+            <a:spLocks noGrp="1"/>
+          </p:cNvSpPr>
+          <p:nvPr>
+            <p:ph idx="1"/>
+          </p:nvPr>
+        </p:nvSpPr>
+        <p:spPr/>
+        <p:txBody>
+          <a:bodyPr/>
+          <a:lstStyle/>
+          <a:p>
+            <a:endParaRPr lang="en-US"/>
+          </a:p>
+        </p:txBody>
+      </p:sp>
+    </p:spTree>
+    <p:extLst>
+      <p:ext uri="{BB962C8B-B14F-4D97-AF65-F5344CB8AC3E}">
+        <p14:creationId xmlns:p14="http://schemas.microsoft.com/office/powerpoint/2010/main" val="2622540814"/>
+      </p:ext>
+    </p:extLst>
+  </p:cSld>
+  <p:clrMapOvr>
+    <a:masterClrMapping/>
+  </p:clrMapOvr>
+</p:sld>
+</file>
+
+<file path=ppt/slides/slide9.xml><?xml version="1.0" encoding="utf-8"?>
 <p:sld xmlns:a="http://schemas.openxmlformats.org/drawingml/2006/main" xmlns:r="http://schemas.openxmlformats.org/officeDocument/2006/relationships" xmlns:p="http://schemas.openxmlformats.org/presentationml/2006/main">
   <p:cSld>
     <p:spTree>
@@ -12924,304 +13413,6 @@
     <p:extLst>
       <p:ext uri="{BB962C8B-B14F-4D97-AF65-F5344CB8AC3E}">
         <p14:creationId xmlns:p14="http://schemas.microsoft.com/office/powerpoint/2010/main" val="2236132986"/>
-      </p:ext>
-    </p:extLst>
-  </p:cSld>
-  <p:clrMapOvr>
-    <a:masterClrMapping/>
-  </p:clrMapOvr>
-</p:sld>
-</file>
-
-<file path=ppt/slides/slide8.xml><?xml version="1.0" encoding="utf-8"?>
-<p:sld xmlns:a="http://schemas.openxmlformats.org/drawingml/2006/main" xmlns:r="http://schemas.openxmlformats.org/officeDocument/2006/relationships" xmlns:p="http://schemas.openxmlformats.org/presentationml/2006/main">
-  <p:cSld>
-    <p:spTree>
-      <p:nvGrpSpPr>
-        <p:cNvPr id="1" name=""/>
-        <p:cNvGrpSpPr/>
-        <p:nvPr/>
-      </p:nvGrpSpPr>
-      <p:grpSpPr>
-        <a:xfrm>
-          <a:off x="0" y="0"/>
-          <a:ext cx="0" cy="0"/>
-          <a:chOff x="0" y="0"/>
-          <a:chExt cx="0" cy="0"/>
-        </a:xfrm>
-      </p:grpSpPr>
-      <p:sp>
-        <p:nvSpPr>
-          <p:cNvPr id="2" name="Title 1">
-            <a:extLst>
-              <a:ext uri="{FF2B5EF4-FFF2-40B4-BE49-F238E27FC236}">
-                <a16:creationId xmlns:a16="http://schemas.microsoft.com/office/drawing/2014/main" id="{E2CDF4C7-2288-A94E-BEB0-3C7A873A5E73}"/>
-              </a:ext>
-            </a:extLst>
-          </p:cNvPr>
-          <p:cNvSpPr>
-            <a:spLocks noGrp="1"/>
-          </p:cNvSpPr>
-          <p:nvPr>
-            <p:ph type="title"/>
-          </p:nvPr>
-        </p:nvSpPr>
-        <p:spPr/>
-        <p:txBody>
-          <a:bodyPr>
-            <a:normAutofit fontScale="90000"/>
-          </a:bodyPr>
-          <a:lstStyle/>
-          <a:p>
-            <a:r>
-              <a:rPr lang="en-US" dirty="0"/>
-              <a:t>Air quality Index vs Age of Cars for 2009, 2015 and 2020</a:t>
-            </a:r>
-          </a:p>
-        </p:txBody>
-      </p:sp>
-      <p:pic>
-        <p:nvPicPr>
-          <p:cNvPr id="5" name="Content Placeholder 4">
-            <a:extLst>
-              <a:ext uri="{FF2B5EF4-FFF2-40B4-BE49-F238E27FC236}">
-                <a16:creationId xmlns:a16="http://schemas.microsoft.com/office/drawing/2014/main" id="{FF0FD265-5314-3846-BBA6-D8E7DCDD57CF}"/>
-              </a:ext>
-            </a:extLst>
-          </p:cNvPr>
-          <p:cNvPicPr>
-            <a:picLocks noGrp="1" noChangeAspect="1"/>
-          </p:cNvPicPr>
-          <p:nvPr>
-            <p:ph idx="1"/>
-          </p:nvPr>
-        </p:nvPicPr>
-        <p:blipFill>
-          <a:blip r:embed="rId2"/>
-          <a:stretch>
-            <a:fillRect/>
-          </a:stretch>
-        </p:blipFill>
-        <p:spPr>
-          <a:xfrm>
-            <a:off x="207833" y="1690687"/>
-            <a:ext cx="3718355" cy="2957621"/>
-          </a:xfrm>
-        </p:spPr>
-      </p:pic>
-      <p:pic>
-        <p:nvPicPr>
-          <p:cNvPr id="7" name="Picture 6" descr="Chart, scatter chart&#10;&#10;Description automatically generated">
-            <a:extLst>
-              <a:ext uri="{FF2B5EF4-FFF2-40B4-BE49-F238E27FC236}">
-                <a16:creationId xmlns:a16="http://schemas.microsoft.com/office/drawing/2014/main" id="{2FE2BC47-9997-3C48-9C95-2F0C06767F74}"/>
-              </a:ext>
-            </a:extLst>
-          </p:cNvPr>
-          <p:cNvPicPr>
-            <a:picLocks noChangeAspect="1"/>
-          </p:cNvPicPr>
-          <p:nvPr/>
-        </p:nvPicPr>
-        <p:blipFill>
-          <a:blip r:embed="rId3"/>
-          <a:stretch>
-            <a:fillRect/>
-          </a:stretch>
-        </p:blipFill>
-        <p:spPr>
-          <a:xfrm>
-            <a:off x="4297354" y="1690687"/>
-            <a:ext cx="3597292" cy="2957620"/>
-          </a:xfrm>
-          <a:prstGeom prst="rect">
-            <a:avLst/>
-          </a:prstGeom>
-        </p:spPr>
-      </p:pic>
-      <p:pic>
-        <p:nvPicPr>
-          <p:cNvPr id="9" name="Picture 8" descr="Chart, scatter chart&#10;&#10;Description automatically generated">
-            <a:extLst>
-              <a:ext uri="{FF2B5EF4-FFF2-40B4-BE49-F238E27FC236}">
-                <a16:creationId xmlns:a16="http://schemas.microsoft.com/office/drawing/2014/main" id="{4C84F602-12FF-B94E-9122-F225C1615D7A}"/>
-              </a:ext>
-            </a:extLst>
-          </p:cNvPr>
-          <p:cNvPicPr>
-            <a:picLocks noChangeAspect="1"/>
-          </p:cNvPicPr>
-          <p:nvPr/>
-        </p:nvPicPr>
-        <p:blipFill>
-          <a:blip r:embed="rId4"/>
-          <a:stretch>
-            <a:fillRect/>
-          </a:stretch>
-        </p:blipFill>
-        <p:spPr>
-          <a:xfrm>
-            <a:off x="8265813" y="1690687"/>
-            <a:ext cx="3718354" cy="2957620"/>
-          </a:xfrm>
-          <a:prstGeom prst="rect">
-            <a:avLst/>
-          </a:prstGeom>
-        </p:spPr>
-      </p:pic>
-    </p:spTree>
-    <p:extLst>
-      <p:ext uri="{BB962C8B-B14F-4D97-AF65-F5344CB8AC3E}">
-        <p14:creationId xmlns:p14="http://schemas.microsoft.com/office/powerpoint/2010/main" val="2848688168"/>
-      </p:ext>
-    </p:extLst>
-  </p:cSld>
-  <p:clrMapOvr>
-    <a:masterClrMapping/>
-  </p:clrMapOvr>
-</p:sld>
-</file>
-
-<file path=ppt/slides/slide9.xml><?xml version="1.0" encoding="utf-8"?>
-<p:sld xmlns:a="http://schemas.openxmlformats.org/drawingml/2006/main" xmlns:r="http://schemas.openxmlformats.org/officeDocument/2006/relationships" xmlns:p="http://schemas.openxmlformats.org/presentationml/2006/main">
-  <p:cSld>
-    <p:spTree>
-      <p:nvGrpSpPr>
-        <p:cNvPr id="1" name=""/>
-        <p:cNvGrpSpPr/>
-        <p:nvPr/>
-      </p:nvGrpSpPr>
-      <p:grpSpPr>
-        <a:xfrm>
-          <a:off x="0" y="0"/>
-          <a:ext cx="0" cy="0"/>
-          <a:chOff x="0" y="0"/>
-          <a:chExt cx="0" cy="0"/>
-        </a:xfrm>
-      </p:grpSpPr>
-      <p:sp>
-        <p:nvSpPr>
-          <p:cNvPr id="2" name="Title 1">
-            <a:extLst>
-              <a:ext uri="{FF2B5EF4-FFF2-40B4-BE49-F238E27FC236}">
-                <a16:creationId xmlns:a16="http://schemas.microsoft.com/office/drawing/2014/main" id="{7E4398CA-F36B-B044-A203-9EFCF6E9D0FD}"/>
-              </a:ext>
-            </a:extLst>
-          </p:cNvPr>
-          <p:cNvSpPr>
-            <a:spLocks noGrp="1"/>
-          </p:cNvSpPr>
-          <p:nvPr>
-            <p:ph type="title"/>
-          </p:nvPr>
-        </p:nvSpPr>
-        <p:spPr/>
-        <p:txBody>
-          <a:bodyPr>
-            <a:normAutofit fontScale="90000"/>
-          </a:bodyPr>
-          <a:lstStyle/>
-          <a:p>
-            <a:r>
-              <a:rPr lang="en-US" dirty="0"/>
-              <a:t>Air Quality Index per Body Type for 2009, 2015 and 2020</a:t>
-            </a:r>
-          </a:p>
-        </p:txBody>
-      </p:sp>
-      <p:pic>
-        <p:nvPicPr>
-          <p:cNvPr id="7" name="Picture 6" descr="Chart, bar chart, histogram&#10;&#10;Description automatically generated">
-            <a:extLst>
-              <a:ext uri="{FF2B5EF4-FFF2-40B4-BE49-F238E27FC236}">
-                <a16:creationId xmlns:a16="http://schemas.microsoft.com/office/drawing/2014/main" id="{75EFB4B9-603F-0148-8A91-F3B29300488F}"/>
-              </a:ext>
-            </a:extLst>
-          </p:cNvPr>
-          <p:cNvPicPr>
-            <a:picLocks noChangeAspect="1"/>
-          </p:cNvPicPr>
-          <p:nvPr/>
-        </p:nvPicPr>
-        <p:blipFill>
-          <a:blip r:embed="rId2"/>
-          <a:stretch>
-            <a:fillRect/>
-          </a:stretch>
-        </p:blipFill>
-        <p:spPr>
-          <a:xfrm>
-            <a:off x="4156893" y="1808890"/>
-            <a:ext cx="3878214" cy="2659104"/>
-          </a:xfrm>
-          <a:prstGeom prst="rect">
-            <a:avLst/>
-          </a:prstGeom>
-        </p:spPr>
-      </p:pic>
-      <p:pic>
-        <p:nvPicPr>
-          <p:cNvPr id="9" name="Picture 8" descr="Chart, bar chart&#10;&#10;Description automatically generated">
-            <a:extLst>
-              <a:ext uri="{FF2B5EF4-FFF2-40B4-BE49-F238E27FC236}">
-                <a16:creationId xmlns:a16="http://schemas.microsoft.com/office/drawing/2014/main" id="{6BF959CE-6973-F140-9B75-B29172D76353}"/>
-              </a:ext>
-            </a:extLst>
-          </p:cNvPr>
-          <p:cNvPicPr>
-            <a:picLocks noChangeAspect="1"/>
-          </p:cNvPicPr>
-          <p:nvPr/>
-        </p:nvPicPr>
-        <p:blipFill>
-          <a:blip r:embed="rId3"/>
-          <a:stretch>
-            <a:fillRect/>
-          </a:stretch>
-        </p:blipFill>
-        <p:spPr>
-          <a:xfrm>
-            <a:off x="8156787" y="1808890"/>
-            <a:ext cx="3878213" cy="2659104"/>
-          </a:xfrm>
-          <a:prstGeom prst="rect">
-            <a:avLst/>
-          </a:prstGeom>
-        </p:spPr>
-      </p:pic>
-      <p:pic>
-        <p:nvPicPr>
-          <p:cNvPr id="8" name="Content Placeholder 7" descr="Chart, bar chart&#10;&#10;Description automatically generated">
-            <a:extLst>
-              <a:ext uri="{FF2B5EF4-FFF2-40B4-BE49-F238E27FC236}">
-                <a16:creationId xmlns:a16="http://schemas.microsoft.com/office/drawing/2014/main" id="{08AE2FF3-7A4F-C94B-8179-0B560F757D1D}"/>
-              </a:ext>
-            </a:extLst>
-          </p:cNvPr>
-          <p:cNvPicPr>
-            <a:picLocks noGrp="1" noChangeAspect="1"/>
-          </p:cNvPicPr>
-          <p:nvPr>
-            <p:ph idx="1"/>
-          </p:nvPr>
-        </p:nvPicPr>
-        <p:blipFill>
-          <a:blip r:embed="rId4"/>
-          <a:stretch>
-            <a:fillRect/>
-          </a:stretch>
-        </p:blipFill>
-        <p:spPr>
-          <a:xfrm>
-            <a:off x="157000" y="1808889"/>
-            <a:ext cx="3907949" cy="2659105"/>
-          </a:xfrm>
-        </p:spPr>
-      </p:pic>
-    </p:spTree>
-    <p:extLst>
-      <p:ext uri="{BB962C8B-B14F-4D97-AF65-F5344CB8AC3E}">
-        <p14:creationId xmlns:p14="http://schemas.microsoft.com/office/powerpoint/2010/main" val="291841990"/>
       </p:ext>
     </p:extLst>
   </p:cSld>
